--- a/Saurabh_Assignment.pptx
+++ b/Saurabh_Assignment.pptx
@@ -9233,7 +9233,7 @@
               </a:tabLst>
             </a:pPr>
             <a:r>
-              <a:rPr lang="en-US" sz="4000" b="1" strike="noStrike" spc="-1" dirty="0">
+              <a:rPr lang="en-US" sz="3200" b="1" strike="noStrike" spc="-1" dirty="0">
                 <a:solidFill>
                   <a:srgbClr val="050A19"/>
                 </a:solidFill>
@@ -9243,7 +9243,7 @@
               <a:t>Push - </a:t>
             </a:r>
             <a:r>
-              <a:rPr lang="en-US" sz="4000" b="0" strike="noStrike" spc="-1" dirty="0">
+              <a:rPr lang="en-US" sz="3200" b="0" strike="noStrike" spc="-1" dirty="0">
                 <a:solidFill>
                   <a:srgbClr val="000000"/>
                 </a:solidFill>
@@ -9255,7 +9255,7 @@
               </a:rPr>
               <a:t>Push operation copies changes from a local repository instance to a remote one. This is used to store the changes permanently into the Git repository.</a:t>
             </a:r>
-            <a:endParaRPr lang="en-IN" sz="4000" b="0" strike="noStrike" spc="-1" dirty="0">
+            <a:endParaRPr lang="en-IN" sz="3200" b="0" strike="noStrike" spc="-1" dirty="0">
               <a:solidFill>
                 <a:srgbClr val="000000"/>
               </a:solidFill>
@@ -9271,7 +9271,7 @@
                 <a:tab pos="0" algn="l"/>
               </a:tabLst>
             </a:pPr>
-            <a:endParaRPr lang="en-IN" sz="4000" b="0" strike="noStrike" spc="-1" dirty="0">
+            <a:endParaRPr lang="en-IN" sz="3200" b="0" strike="noStrike" spc="-1" dirty="0">
               <a:solidFill>
                 <a:srgbClr val="000000"/>
               </a:solidFill>
@@ -9293,7 +9293,7 @@
               </a:tabLst>
             </a:pPr>
             <a:r>
-              <a:rPr lang="en-US" sz="4000" b="1" strike="noStrike" spc="-1" dirty="0">
+              <a:rPr lang="en-US" sz="3200" b="1" strike="noStrike" spc="-1" dirty="0">
                 <a:solidFill>
                   <a:srgbClr val="000000"/>
                 </a:solidFill>
@@ -9305,7 +9305,7 @@
               </a:rPr>
               <a:t>Add a remote origin:-- </a:t>
             </a:r>
-            <a:endParaRPr lang="en-IN" sz="4000" b="0" strike="noStrike" spc="-1" dirty="0">
+            <a:endParaRPr lang="en-IN" sz="3200" b="0" strike="noStrike" spc="-1" dirty="0">
               <a:solidFill>
                 <a:srgbClr val="000000"/>
               </a:solidFill>
@@ -9321,7 +9321,7 @@
                 <a:tab pos="0" algn="l"/>
               </a:tabLst>
             </a:pPr>
-            <a:endParaRPr lang="en-IN" sz="4000" b="0" strike="noStrike" spc="-1" dirty="0">
+            <a:endParaRPr lang="en-IN" sz="3200" b="0" strike="noStrike" spc="-1" dirty="0">
               <a:solidFill>
                 <a:srgbClr val="000000"/>
               </a:solidFill>
@@ -9338,7 +9338,7 @@
               </a:tabLst>
             </a:pPr>
             <a:r>
-              <a:rPr lang="en-US" sz="4000" b="0" strike="noStrike" spc="-1" dirty="0">
+              <a:rPr lang="en-US" sz="3200" b="0" strike="noStrike" spc="-1" dirty="0">
                 <a:solidFill>
                   <a:srgbClr val="000000"/>
                 </a:solidFill>
@@ -9351,7 +9351,7 @@
               <a:t>	</a:t>
             </a:r>
             <a:r>
-              <a:rPr lang="en-US" sz="4000" b="0" strike="noStrike" spc="-1" dirty="0">
+              <a:rPr lang="en-US" sz="3200" b="0" strike="noStrike" spc="-1" dirty="0">
                 <a:solidFill>
                   <a:srgbClr val="000000"/>
                 </a:solidFill>
@@ -9364,7 +9364,7 @@
               <a:t>git remote add origin </a:t>
             </a:r>
             <a:r>
-              <a:rPr lang="en-US" sz="4000" b="0" strike="noStrike" spc="-1" dirty="0" err="1">
+              <a:rPr lang="en-US" sz="3200" b="0" strike="noStrike" spc="-1" dirty="0" err="1">
                 <a:solidFill>
                   <a:srgbClr val="000000"/>
                 </a:solidFill>
@@ -9377,7 +9377,7 @@
               <a:t>remote_repository_URL</a:t>
             </a:r>
             <a:r>
-              <a:rPr lang="en-US" sz="4000" b="0" strike="noStrike" spc="-1" dirty="0">
+              <a:rPr lang="en-US" sz="3200" b="0" strike="noStrike" spc="-1" dirty="0">
                 <a:solidFill>
                   <a:srgbClr val="000000"/>
                 </a:solidFill>
@@ -9390,7 +9390,7 @@
               <a:t> </a:t>
             </a:r>
             <a:r>
-              <a:rPr lang="en-US" sz="4000" spc="-1" dirty="0">
+              <a:rPr lang="en-US" sz="3200" spc="-1" dirty="0">
                 <a:solidFill>
                   <a:srgbClr val="000000"/>
                 </a:solidFill>
@@ -9402,7 +9402,7 @@
               </a:rPr>
               <a:t>:-- sets your remote origin</a:t>
             </a:r>
-            <a:endParaRPr lang="en-IN" sz="4000" b="0" strike="noStrike" spc="-1" dirty="0">
+            <a:endParaRPr lang="en-IN" sz="3200" b="0" strike="noStrike" spc="-1" dirty="0">
               <a:solidFill>
                 <a:srgbClr val="000000"/>
               </a:solidFill>
@@ -9418,7 +9418,7 @@
                 <a:tab pos="0" algn="l"/>
               </a:tabLst>
             </a:pPr>
-            <a:endParaRPr lang="en-IN" sz="4000" b="0" strike="noStrike" spc="-1" dirty="0">
+            <a:endParaRPr lang="en-IN" sz="3200" b="0" strike="noStrike" spc="-1" dirty="0">
               <a:solidFill>
                 <a:srgbClr val="000000"/>
               </a:solidFill>
@@ -9435,7 +9435,7 @@
               </a:tabLst>
             </a:pPr>
             <a:r>
-              <a:rPr lang="en-US" sz="4000" b="0" strike="noStrike" spc="-1" dirty="0">
+              <a:rPr lang="en-US" sz="3200" b="0" strike="noStrike" spc="-1" dirty="0">
                 <a:solidFill>
                   <a:srgbClr val="000000"/>
                 </a:solidFill>
@@ -9448,7 +9448,7 @@
               <a:t>	</a:t>
             </a:r>
             <a:r>
-              <a:rPr lang="en-US" sz="4000" b="0" strike="noStrike" spc="-1" dirty="0">
+              <a:rPr lang="en-US" sz="3200" b="0" strike="noStrike" spc="-1" dirty="0">
                 <a:solidFill>
                   <a:srgbClr val="000000"/>
                 </a:solidFill>
@@ -9461,7 +9461,7 @@
               <a:t>git remote -v </a:t>
             </a:r>
             <a:r>
-              <a:rPr lang="en-US" sz="4000" spc="-1" dirty="0">
+              <a:rPr lang="en-US" sz="3200" spc="-1" dirty="0">
                 <a:solidFill>
                   <a:srgbClr val="000000"/>
                 </a:solidFill>
@@ -9473,7 +9473,7 @@
               </a:rPr>
               <a:t>:-- List the remote connections of your repositories</a:t>
             </a:r>
-            <a:endParaRPr lang="en-IN" sz="4000" b="0" strike="noStrike" spc="-1" dirty="0">
+            <a:endParaRPr lang="en-IN" sz="3200" b="0" strike="noStrike" spc="-1" dirty="0">
               <a:solidFill>
                 <a:srgbClr val="000000"/>
               </a:solidFill>
@@ -9489,7 +9489,7 @@
                 <a:tab pos="0" algn="l"/>
               </a:tabLst>
             </a:pPr>
-            <a:endParaRPr lang="en-IN" sz="4000" b="0" strike="noStrike" spc="-1" dirty="0">
+            <a:endParaRPr lang="en-IN" sz="3200" b="0" strike="noStrike" spc="-1" dirty="0">
               <a:solidFill>
                 <a:srgbClr val="000000"/>
               </a:solidFill>
@@ -9508,7 +9508,7 @@
               </a:tabLst>
             </a:pPr>
             <a:r>
-              <a:rPr lang="en-US" sz="4000" b="1" spc="-1" dirty="0">
+              <a:rPr lang="en-US" sz="3200" b="1" spc="-1" dirty="0">
                 <a:solidFill>
                   <a:srgbClr val="000000"/>
                 </a:solidFill>
@@ -9531,7 +9531,7 @@
                 <a:tab pos="0" algn="l"/>
               </a:tabLst>
             </a:pPr>
-            <a:endParaRPr lang="en-US" sz="4000" b="1" spc="-1" dirty="0">
+            <a:endParaRPr lang="en-US" sz="3200" b="1" spc="-1" dirty="0">
               <a:solidFill>
                 <a:srgbClr val="000000"/>
               </a:solidFill>
@@ -9553,7 +9553,7 @@
               </a:tabLst>
             </a:pPr>
             <a:r>
-              <a:rPr lang="en-US" sz="4000" spc="-1" dirty="0">
+              <a:rPr lang="en-US" sz="3200" spc="-1" dirty="0">
                 <a:solidFill>
                   <a:srgbClr val="000000"/>
                 </a:solidFill>
@@ -9562,7 +9562,19 @@
                 </a:highlight>
                 <a:latin typeface="Arial"/>
               </a:rPr>
-              <a:t>git push –u origin master </a:t>
+              <a:t>git push –u </a:t>
+            </a:r>
+            <a:r>
+              <a:rPr lang="en-US" sz="4000" spc="-1" dirty="0">
+                <a:solidFill>
+                  <a:srgbClr val="000000"/>
+                </a:solidFill>
+                <a:highlight>
+                  <a:srgbClr val="FFFF00"/>
+                </a:highlight>
+                <a:latin typeface="Arial"/>
+              </a:rPr>
+              <a:t>origin master </a:t>
             </a:r>
             <a:r>
               <a:rPr lang="en-US" sz="4000" spc="-1" dirty="0">
@@ -9665,6 +9677,65 @@
               </a:solidFill>
               <a:latin typeface="Arial"/>
             </a:endParaRPr>
+          </a:p>
+        </p:txBody>
+      </p:sp>
+      <p:sp>
+        <p:nvSpPr>
+          <p:cNvPr id="2" name="Rectangle 1">
+            <a:extLst>
+              <a:ext uri="{FF2B5EF4-FFF2-40B4-BE49-F238E27FC236}">
+                <a16:creationId xmlns:a16="http://schemas.microsoft.com/office/drawing/2014/main" id="{DCCD863B-1998-4578-B31B-D94B01A2D101}"/>
+              </a:ext>
+            </a:extLst>
+          </p:cNvPr>
+          <p:cNvSpPr/>
+          <p:nvPr/>
+        </p:nvSpPr>
+        <p:spPr>
+          <a:xfrm rot="10800000" flipH="1" flipV="1">
+            <a:off x="2127380" y="8658807"/>
+            <a:ext cx="19090432" cy="4012163"/>
+          </a:xfrm>
+          <a:prstGeom prst="rect">
+            <a:avLst/>
+          </a:prstGeom>
+          <a:blipFill dpi="0" rotWithShape="1">
+            <a:blip r:embed="rId3">
+              <a:extLst>
+                <a:ext uri="{28A0092B-C50C-407E-A947-70E740481C1C}">
+                  <a14:useLocalDpi xmlns:a14="http://schemas.microsoft.com/office/drawing/2010/main" val="0"/>
+                </a:ext>
+              </a:extLst>
+            </a:blip>
+            <a:srcRect/>
+            <a:stretch>
+              <a:fillRect/>
+            </a:stretch>
+          </a:blipFill>
+        </p:spPr>
+        <p:style>
+          <a:lnRef idx="2">
+            <a:schemeClr val="accent1">
+              <a:shade val="50000"/>
+            </a:schemeClr>
+          </a:lnRef>
+          <a:fillRef idx="1">
+            <a:schemeClr val="accent1"/>
+          </a:fillRef>
+          <a:effectRef idx="0">
+            <a:schemeClr val="accent1"/>
+          </a:effectRef>
+          <a:fontRef idx="minor">
+            <a:schemeClr val="lt1"/>
+          </a:fontRef>
+        </p:style>
+        <p:txBody>
+          <a:bodyPr rtlCol="0" anchor="ctr"/>
+          <a:lstStyle/>
+          <a:p>
+            <a:pPr algn="ctr"/>
+            <a:endParaRPr lang="en-IN"/>
           </a:p>
         </p:txBody>
       </p:sp>
